--- a/Docs/Overview of CLISC.pptx
+++ b/Docs/Overview of CLISC.pptx
@@ -3335,7 +3335,7 @@
         </p:nvSpPr>
         <p:spPr>
           <a:xfrm>
-            <a:off x="349626" y="177981"/>
+            <a:off x="89642" y="88331"/>
             <a:ext cx="2008094" cy="369332"/>
           </a:xfrm>
           <a:prstGeom prst="rect">
@@ -3378,7 +3378,7 @@
         </p:nvSpPr>
         <p:spPr>
           <a:xfrm>
-            <a:off x="349626" y="4238023"/>
+            <a:off x="89642" y="4148373"/>
             <a:ext cx="2008094" cy="369332"/>
           </a:xfrm>
           <a:prstGeom prst="rect">
@@ -3421,7 +3421,7 @@
         </p:nvSpPr>
         <p:spPr>
           <a:xfrm>
-            <a:off x="502026" y="989704"/>
+            <a:off x="242042" y="900054"/>
             <a:ext cx="1703294" cy="369332"/>
           </a:xfrm>
           <a:prstGeom prst="rect">
@@ -3464,7 +3464,7 @@
         </p:nvSpPr>
         <p:spPr>
           <a:xfrm>
-            <a:off x="502025" y="1801430"/>
+            <a:off x="242041" y="1711780"/>
             <a:ext cx="1703295" cy="369332"/>
           </a:xfrm>
           <a:prstGeom prst="rect">
@@ -3507,7 +3507,7 @@
         </p:nvSpPr>
         <p:spPr>
           <a:xfrm>
-            <a:off x="502024" y="2614574"/>
+            <a:off x="242040" y="2524924"/>
             <a:ext cx="1703295" cy="369332"/>
           </a:xfrm>
           <a:prstGeom prst="rect">
@@ -3554,7 +3554,7 @@
         </p:nvCxnSpPr>
         <p:spPr>
           <a:xfrm>
-            <a:off x="1353673" y="547313"/>
+            <a:off x="1093689" y="457663"/>
             <a:ext cx="0" cy="442391"/>
           </a:xfrm>
           <a:prstGeom prst="straightConnector1">
@@ -3597,7 +3597,7 @@
         </p:nvCxnSpPr>
         <p:spPr>
           <a:xfrm>
-            <a:off x="1353673" y="1359036"/>
+            <a:off x="1093689" y="1269386"/>
             <a:ext cx="0" cy="442394"/>
           </a:xfrm>
           <a:prstGeom prst="straightConnector1">
@@ -3640,7 +3640,7 @@
         </p:nvCxnSpPr>
         <p:spPr>
           <a:xfrm flipH="1">
-            <a:off x="1353672" y="2170762"/>
+            <a:off x="1093688" y="2081112"/>
             <a:ext cx="1" cy="443812"/>
           </a:xfrm>
           <a:prstGeom prst="straightConnector1">
@@ -3679,7 +3679,7 @@
         </p:nvSpPr>
         <p:spPr>
           <a:xfrm>
-            <a:off x="502025" y="3427718"/>
+            <a:off x="242041" y="3338068"/>
             <a:ext cx="1703296" cy="369332"/>
           </a:xfrm>
           <a:prstGeom prst="rect">
@@ -3726,7 +3726,7 @@
         </p:nvCxnSpPr>
         <p:spPr>
           <a:xfrm>
-            <a:off x="1353672" y="2983906"/>
+            <a:off x="1093688" y="2894256"/>
             <a:ext cx="1" cy="443812"/>
           </a:xfrm>
           <a:prstGeom prst="straightConnector1">
@@ -3769,7 +3769,7 @@
         </p:nvCxnSpPr>
         <p:spPr>
           <a:xfrm>
-            <a:off x="1353673" y="3797050"/>
+            <a:off x="1093689" y="3707400"/>
             <a:ext cx="0" cy="440973"/>
           </a:xfrm>
           <a:prstGeom prst="straightConnector1">
@@ -3808,7 +3808,7 @@
         </p:nvSpPr>
         <p:spPr>
           <a:xfrm>
-            <a:off x="2689411" y="851204"/>
+            <a:off x="2429427" y="761554"/>
             <a:ext cx="2877672" cy="646331"/>
           </a:xfrm>
           <a:prstGeom prst="rect">
@@ -3881,7 +3881,7 @@
         </p:nvCxnSpPr>
         <p:spPr>
           <a:xfrm flipH="1">
-            <a:off x="2205320" y="1174370"/>
+            <a:off x="1945336" y="1084720"/>
             <a:ext cx="484091" cy="0"/>
           </a:xfrm>
           <a:prstGeom prst="straightConnector1">
@@ -3920,7 +3920,7 @@
         </p:nvSpPr>
         <p:spPr>
           <a:xfrm>
-            <a:off x="2689411" y="224146"/>
+            <a:off x="2429427" y="134496"/>
             <a:ext cx="2877672" cy="276999"/>
           </a:xfrm>
           <a:prstGeom prst="rect">
@@ -3973,7 +3973,7 @@
         </p:nvCxnSpPr>
         <p:spPr>
           <a:xfrm flipH="1">
-            <a:off x="2357720" y="362646"/>
+            <a:off x="2097736" y="272996"/>
             <a:ext cx="331691" cy="1"/>
           </a:xfrm>
           <a:prstGeom prst="straightConnector1">
@@ -4012,7 +4012,7 @@
         </p:nvSpPr>
         <p:spPr>
           <a:xfrm>
-            <a:off x="5970490" y="1660894"/>
+            <a:off x="5710506" y="1571244"/>
             <a:ext cx="2008094" cy="646331"/>
           </a:xfrm>
           <a:prstGeom prst="rect">
@@ -4085,7 +4085,7 @@
         </p:nvCxnSpPr>
         <p:spPr>
           <a:xfrm flipH="1">
-            <a:off x="2205320" y="1984061"/>
+            <a:off x="1945336" y="1894411"/>
             <a:ext cx="484091" cy="2035"/>
           </a:xfrm>
           <a:prstGeom prst="straightConnector1">
@@ -4124,7 +4124,7 @@
         </p:nvSpPr>
         <p:spPr>
           <a:xfrm>
-            <a:off x="2689411" y="1753228"/>
+            <a:off x="2429427" y="1663578"/>
             <a:ext cx="2877672" cy="461665"/>
           </a:xfrm>
           <a:prstGeom prst="rect">
@@ -4177,7 +4177,7 @@
         </p:nvCxnSpPr>
         <p:spPr>
           <a:xfrm flipH="1">
-            <a:off x="5567083" y="1984060"/>
+            <a:off x="5307099" y="1894410"/>
             <a:ext cx="403407" cy="1"/>
           </a:xfrm>
           <a:prstGeom prst="straightConnector1">
@@ -4220,7 +4220,7 @@
         </p:nvCxnSpPr>
         <p:spPr>
           <a:xfrm flipH="1">
-            <a:off x="2205319" y="2799240"/>
+            <a:off x="1945335" y="2709590"/>
             <a:ext cx="484092" cy="0"/>
           </a:xfrm>
           <a:prstGeom prst="straightConnector1">
@@ -4259,7 +4259,7 @@
         </p:nvSpPr>
         <p:spPr>
           <a:xfrm>
-            <a:off x="2689411" y="2568407"/>
+            <a:off x="2429427" y="2478757"/>
             <a:ext cx="2877672" cy="461665"/>
           </a:xfrm>
           <a:prstGeom prst="rect">
@@ -4312,7 +4312,7 @@
         </p:nvCxnSpPr>
         <p:spPr>
           <a:xfrm flipH="1">
-            <a:off x="2205321" y="3607509"/>
+            <a:off x="1945337" y="3517859"/>
             <a:ext cx="484090" cy="4875"/>
           </a:xfrm>
           <a:prstGeom prst="straightConnector1">
@@ -4351,7 +4351,7 @@
         </p:nvSpPr>
         <p:spPr>
           <a:xfrm>
-            <a:off x="2689411" y="3376676"/>
+            <a:off x="2429427" y="3287026"/>
             <a:ext cx="2877672" cy="461665"/>
           </a:xfrm>
           <a:prstGeom prst="rect">
@@ -4398,8 +4398,8 @@
         </p:nvCxnSpPr>
         <p:spPr>
           <a:xfrm flipH="1">
-            <a:off x="2357720" y="4422689"/>
-            <a:ext cx="331691" cy="0"/>
+            <a:off x="2097736" y="4124793"/>
+            <a:ext cx="331691" cy="208246"/>
           </a:xfrm>
           <a:prstGeom prst="straightConnector1">
             <a:avLst/>
@@ -4437,7 +4437,7 @@
         </p:nvSpPr>
         <p:spPr>
           <a:xfrm>
-            <a:off x="2689411" y="4284189"/>
+            <a:off x="2429427" y="3986293"/>
             <a:ext cx="2877672" cy="276999"/>
           </a:xfrm>
           <a:prstGeom prst="rect">
@@ -4486,7 +4486,7 @@
         </p:nvSpPr>
         <p:spPr>
           <a:xfrm>
-            <a:off x="5961525" y="2441721"/>
+            <a:off x="5701541" y="2352071"/>
             <a:ext cx="2008094" cy="276999"/>
           </a:xfrm>
           <a:prstGeom prst="rect">
@@ -4549,7 +4549,7 @@
         </p:nvCxnSpPr>
         <p:spPr>
           <a:xfrm flipH="1">
-            <a:off x="5567083" y="2580221"/>
+            <a:off x="5307099" y="2490571"/>
             <a:ext cx="394442" cy="1027288"/>
           </a:xfrm>
           <a:prstGeom prst="straightConnector1">
@@ -4588,7 +4588,7 @@
         </p:nvSpPr>
         <p:spPr>
           <a:xfrm>
-            <a:off x="5970490" y="4361730"/>
+            <a:off x="5710506" y="4272080"/>
             <a:ext cx="2008094" cy="276999"/>
           </a:xfrm>
           <a:prstGeom prst="rect">
@@ -4642,7 +4642,7 @@
         </p:nvCxnSpPr>
         <p:spPr>
           <a:xfrm flipH="1" flipV="1">
-            <a:off x="5567083" y="3607509"/>
+            <a:off x="5307099" y="3517859"/>
             <a:ext cx="403407" cy="892721"/>
           </a:xfrm>
           <a:prstGeom prst="straightConnector1">
@@ -4681,7 +4681,7 @@
         </p:nvSpPr>
         <p:spPr>
           <a:xfrm>
-            <a:off x="5961525" y="3948464"/>
+            <a:off x="5701541" y="3858814"/>
             <a:ext cx="2008094" cy="276999"/>
           </a:xfrm>
           <a:prstGeom prst="rect">
@@ -4735,7 +4735,7 @@
         </p:nvCxnSpPr>
         <p:spPr>
           <a:xfrm flipH="1" flipV="1">
-            <a:off x="5567083" y="3607509"/>
+            <a:off x="5307099" y="3517859"/>
             <a:ext cx="394442" cy="479455"/>
           </a:xfrm>
           <a:prstGeom prst="straightConnector1">
@@ -4774,7 +4774,7 @@
         </p:nvSpPr>
         <p:spPr>
           <a:xfrm>
-            <a:off x="5970490" y="3154237"/>
+            <a:off x="5710506" y="3064587"/>
             <a:ext cx="2008094" cy="276999"/>
           </a:xfrm>
           <a:prstGeom prst="rect">
@@ -4828,7 +4828,7 @@
         </p:nvCxnSpPr>
         <p:spPr>
           <a:xfrm flipH="1">
-            <a:off x="5567083" y="3292737"/>
+            <a:off x="5307099" y="3203087"/>
             <a:ext cx="403407" cy="314772"/>
           </a:xfrm>
           <a:prstGeom prst="straightConnector1">
@@ -4867,7 +4867,7 @@
         </p:nvSpPr>
         <p:spPr>
           <a:xfrm>
-            <a:off x="5970490" y="2807053"/>
+            <a:off x="5710506" y="2717403"/>
             <a:ext cx="2008094" cy="276999"/>
           </a:xfrm>
           <a:prstGeom prst="rect">
@@ -4921,7 +4921,7 @@
         </p:nvCxnSpPr>
         <p:spPr>
           <a:xfrm flipH="1">
-            <a:off x="5567083" y="2945553"/>
+            <a:off x="5307099" y="2855903"/>
             <a:ext cx="403407" cy="661956"/>
           </a:xfrm>
           <a:prstGeom prst="straightConnector1">
@@ -4960,7 +4960,7 @@
         </p:nvSpPr>
         <p:spPr>
           <a:xfrm>
-            <a:off x="8364061" y="1801430"/>
+            <a:off x="8104077" y="1711780"/>
             <a:ext cx="2008094" cy="276999"/>
           </a:xfrm>
           <a:prstGeom prst="rect">
@@ -5014,7 +5014,7 @@
         </p:nvCxnSpPr>
         <p:spPr>
           <a:xfrm flipH="1">
-            <a:off x="7978584" y="1939930"/>
+            <a:off x="7718600" y="1850280"/>
             <a:ext cx="385477" cy="1005623"/>
           </a:xfrm>
           <a:prstGeom prst="straightConnector1">
@@ -5053,7 +5053,7 @@
         </p:nvSpPr>
         <p:spPr>
           <a:xfrm>
-            <a:off x="8364061" y="2572188"/>
+            <a:off x="8104077" y="2482538"/>
             <a:ext cx="2008094" cy="276999"/>
           </a:xfrm>
           <a:prstGeom prst="rect">
@@ -5107,7 +5107,7 @@
         </p:nvCxnSpPr>
         <p:spPr>
           <a:xfrm flipH="1">
-            <a:off x="7978584" y="2710688"/>
+            <a:off x="7718600" y="2621038"/>
             <a:ext cx="385477" cy="234865"/>
           </a:xfrm>
           <a:prstGeom prst="straightConnector1">
@@ -5146,7 +5146,7 @@
         </p:nvSpPr>
         <p:spPr>
           <a:xfrm>
-            <a:off x="8364061" y="2957257"/>
+            <a:off x="8104077" y="2867607"/>
             <a:ext cx="2008094" cy="276999"/>
           </a:xfrm>
           <a:prstGeom prst="rect">
@@ -5200,7 +5200,7 @@
         </p:nvCxnSpPr>
         <p:spPr>
           <a:xfrm flipH="1" flipV="1">
-            <a:off x="7978584" y="2945553"/>
+            <a:off x="7718600" y="2855903"/>
             <a:ext cx="385477" cy="150204"/>
           </a:xfrm>
           <a:prstGeom prst="straightConnector1">
@@ -5239,7 +5239,7 @@
         </p:nvSpPr>
         <p:spPr>
           <a:xfrm>
-            <a:off x="8364061" y="3339286"/>
+            <a:off x="8104077" y="3249636"/>
             <a:ext cx="2008094" cy="276999"/>
           </a:xfrm>
           <a:prstGeom prst="rect">
@@ -5293,7 +5293,7 @@
         </p:nvCxnSpPr>
         <p:spPr>
           <a:xfrm flipH="1" flipV="1">
-            <a:off x="7978584" y="2945553"/>
+            <a:off x="7718600" y="2855903"/>
             <a:ext cx="385477" cy="532233"/>
           </a:xfrm>
           <a:prstGeom prst="straightConnector1">
@@ -5332,7 +5332,7 @@
         </p:nvSpPr>
         <p:spPr>
           <a:xfrm>
-            <a:off x="8364061" y="2186809"/>
+            <a:off x="8104077" y="2097159"/>
             <a:ext cx="2008094" cy="276999"/>
           </a:xfrm>
           <a:prstGeom prst="rect">
@@ -5386,7 +5386,7 @@
         </p:nvCxnSpPr>
         <p:spPr>
           <a:xfrm flipH="1">
-            <a:off x="7978584" y="2325309"/>
+            <a:off x="7718600" y="2235659"/>
             <a:ext cx="385477" cy="620244"/>
           </a:xfrm>
           <a:prstGeom prst="straightConnector1">
@@ -5425,7 +5425,7 @@
         </p:nvSpPr>
         <p:spPr>
           <a:xfrm>
-            <a:off x="8364061" y="3721785"/>
+            <a:off x="8104077" y="3632135"/>
             <a:ext cx="2008094" cy="276999"/>
           </a:xfrm>
           <a:prstGeom prst="rect">
@@ -5479,7 +5479,7 @@
         </p:nvCxnSpPr>
         <p:spPr>
           <a:xfrm flipH="1" flipV="1">
-            <a:off x="7978584" y="2945553"/>
+            <a:off x="7718600" y="2855903"/>
             <a:ext cx="385477" cy="914732"/>
           </a:xfrm>
           <a:prstGeom prst="straightConnector1">
@@ -5518,7 +5518,7 @@
         </p:nvSpPr>
         <p:spPr>
           <a:xfrm>
-            <a:off x="5961525" y="3535198"/>
+            <a:off x="5701541" y="3445548"/>
             <a:ext cx="2008094" cy="276999"/>
           </a:xfrm>
           <a:prstGeom prst="rect">
@@ -5572,7 +5572,7 @@
         </p:nvCxnSpPr>
         <p:spPr>
           <a:xfrm flipH="1" flipV="1">
-            <a:off x="5567083" y="3607509"/>
+            <a:off x="5307099" y="3517859"/>
             <a:ext cx="394442" cy="66189"/>
           </a:xfrm>
           <a:prstGeom prst="straightConnector1">
@@ -5597,6 +5597,98 @@
           </a:fontRef>
         </p:style>
       </p:cxnSp>
+      <p:cxnSp>
+        <p:nvCxnSpPr>
+          <p:cNvPr id="376" name="Lige pilforbindelse 375">
+            <a:extLst>
+              <a:ext uri="{FF2B5EF4-FFF2-40B4-BE49-F238E27FC236}">
+                <a16:creationId xmlns:a16="http://schemas.microsoft.com/office/drawing/2014/main" id="{FC9A12E6-ADD1-C764-7DAB-CC1E1724B18B}"/>
+              </a:ext>
+            </a:extLst>
+          </p:cNvPr>
+          <p:cNvCxnSpPr>
+            <a:cxnSpLocks/>
+            <a:stCxn id="377" idx="1"/>
+            <a:endCxn id="5" idx="3"/>
+          </p:cNvCxnSpPr>
+          <p:nvPr/>
+        </p:nvCxnSpPr>
+        <p:spPr>
+          <a:xfrm flipH="1" flipV="1">
+            <a:off x="2097736" y="4333039"/>
+            <a:ext cx="331691" cy="207253"/>
+          </a:xfrm>
+          <a:prstGeom prst="straightConnector1">
+            <a:avLst/>
+          </a:prstGeom>
+          <a:ln>
+            <a:tailEnd type="triangle"/>
+          </a:ln>
+        </p:spPr>
+        <p:style>
+          <a:lnRef idx="1">
+            <a:schemeClr val="dk1"/>
+          </a:lnRef>
+          <a:fillRef idx="0">
+            <a:schemeClr val="dk1"/>
+          </a:fillRef>
+          <a:effectRef idx="0">
+            <a:schemeClr val="dk1"/>
+          </a:effectRef>
+          <a:fontRef idx="minor">
+            <a:schemeClr val="tx1"/>
+          </a:fontRef>
+        </p:style>
+      </p:cxnSp>
+      <p:sp>
+        <p:nvSpPr>
+          <p:cNvPr id="377" name="Tekstfelt 376">
+            <a:extLst>
+              <a:ext uri="{FF2B5EF4-FFF2-40B4-BE49-F238E27FC236}">
+                <a16:creationId xmlns:a16="http://schemas.microsoft.com/office/drawing/2014/main" id="{CD99FD7F-1AC9-6C9F-B673-41EAAD77FCF1}"/>
+              </a:ext>
+            </a:extLst>
+          </p:cNvPr>
+          <p:cNvSpPr txBox="1"/>
+          <p:nvPr/>
+        </p:nvSpPr>
+        <p:spPr>
+          <a:xfrm>
+            <a:off x="2429427" y="4401792"/>
+            <a:ext cx="2877672" cy="276999"/>
+          </a:xfrm>
+          <a:prstGeom prst="rect">
+            <a:avLst/>
+          </a:prstGeom>
+          <a:solidFill>
+            <a:schemeClr val="bg2"/>
+          </a:solidFill>
+          <a:ln>
+            <a:solidFill>
+              <a:schemeClr val="tx1"/>
+            </a:solidFill>
+          </a:ln>
+        </p:spPr>
+        <p:txBody>
+          <a:bodyPr wrap="square" rtlCol="0">
+            <a:spAutoFit/>
+          </a:bodyPr>
+          <a:lstStyle/>
+          <a:p>
+            <a:pPr algn="ctr"/>
+            <a:r>
+              <a:rPr lang="en-US" sz="1200" dirty="0">
+                <a:solidFill>
+                  <a:srgbClr val="24292F"/>
+                </a:solidFill>
+                <a:latin typeface="-apple-system"/>
+              </a:rPr>
+              <a:t>Create results logs in CSV for each process</a:t>
+            </a:r>
+            <a:endParaRPr lang="en-US" sz="1200" dirty="0"/>
+          </a:p>
+        </p:txBody>
+      </p:sp>
     </p:spTree>
     <p:extLst>
       <p:ext uri="{BB962C8B-B14F-4D97-AF65-F5344CB8AC3E}">
